--- a/Raven Teleoperation - Automove.pptx
+++ b/Raven Teleoperation - Automove.pptx
@@ -128,6 +128,11 @@
       </a:defRPr>
     </a:lvl9pPr>
   </p:defaultTextStyle>
+  <p:extLst>
+    <p:ext uri="{EFAFB233-063F-42B5-8137-9DF3F51BA10A}">
+      <p15:sldGuideLst xmlns:p15="http://schemas.microsoft.com/office/powerpoint/2012/main"/>
+    </p:ext>
+  </p:extLst>
 </p:presentation>
 </file>
 
@@ -213,7 +218,7 @@
           <a:p>
             <a:fld id="{28DE00F6-B9B3-4300-BF21-B29D4B7B0656}" type="datetimeFigureOut">
               <a:rPr lang="zh-TW" altLang="en-US" smtClean="0"/>
-              <a:t>2016/11/29</a:t>
+              <a:t>2016/12/1</a:t>
             </a:fld>
             <a:endParaRPr lang="zh-TW" altLang="en-US"/>
           </a:p>
@@ -531,40 +536,35 @@
                   <a:srgbClr val="8C89A5"/>
                 </a:solidFill>
               </a:rPr>
-              <a:t>For example, one node controls a laser range-finder, one node controls the wheel motors, one node performs localization, one node performs path planning, one Node provides a graphical view of the system, and so on. A ROS node is written with the use of a ROS client library, such as </a:t>
-            </a:r>
-            <a:r>
-              <a:rPr lang="en-US" altLang="zh-TW" dirty="0" err="1" smtClean="0">
+              <a:t>The</a:t>
+            </a:r>
+            <a:r>
+              <a:rPr lang="en-US" altLang="zh-TW" baseline="0" dirty="0" smtClean="0">
                 <a:solidFill>
                   <a:srgbClr val="8C89A5"/>
                 </a:solidFill>
               </a:rPr>
-              <a:t>roscpp</a:t>
-            </a:r>
-            <a:r>
-              <a:rPr lang="en-US" altLang="zh-TW" dirty="0" smtClean="0">
+              <a:t> idea of ROS is based on the interaction of ROS nodes. </a:t>
+            </a:r>
+          </a:p>
+          <a:p>
+            <a:endParaRPr lang="en-US" altLang="zh-TW" baseline="0" dirty="0" smtClean="0">
+              <a:solidFill>
+                <a:srgbClr val="8C89A5"/>
+              </a:solidFill>
+            </a:endParaRPr>
+          </a:p>
+          <a:p>
+            <a:r>
+              <a:rPr lang="en-US" altLang="zh-TW" baseline="0" dirty="0" smtClean="0">
                 <a:solidFill>
                   <a:srgbClr val="8C89A5"/>
                 </a:solidFill>
               </a:rPr>
-              <a:t> or </a:t>
-            </a:r>
-            <a:r>
-              <a:rPr lang="en-US" altLang="zh-TW" dirty="0" err="1" smtClean="0">
-                <a:solidFill>
-                  <a:srgbClr val="8C89A5"/>
-                </a:solidFill>
-              </a:rPr>
-              <a:t>rospy</a:t>
-            </a:r>
-            <a:r>
-              <a:rPr lang="en-US" altLang="zh-TW" dirty="0" smtClean="0">
-                <a:solidFill>
-                  <a:srgbClr val="8C89A5"/>
-                </a:solidFill>
-              </a:rPr>
-              <a:t>. </a:t>
-            </a:r>
+              <a:t>Which are modules of processes or codes that perform computation.</a:t>
+            </a:r>
+          </a:p>
+          <a:p>
             <a:endParaRPr lang="zh-TW" altLang="en-US" dirty="0"/>
           </a:p>
         </p:txBody>
@@ -1335,10 +1335,21 @@
           <a:p>
             <a:r>
               <a:rPr lang="en-US" altLang="zh-TW" dirty="0" smtClean="0"/>
-              <a:t>DAC too high? Estop.</a:t>
-            </a:r>
-          </a:p>
-          <a:p>
+              <a:t>DAC too high? Estop</a:t>
+            </a:r>
+            <a:r>
+              <a:rPr lang="en-US" altLang="zh-TW" dirty="0" smtClean="0"/>
+              <a:t>.</a:t>
+            </a:r>
+          </a:p>
+          <a:p>
+            <a:endParaRPr lang="en-US" altLang="zh-TW" dirty="0" smtClean="0"/>
+          </a:p>
+          <a:p>
+            <a:r>
+              <a:rPr lang="en-US" altLang="zh-TW" dirty="0" smtClean="0"/>
+              <a:t>1 unit in z direction :n can’t keep up</a:t>
+            </a:r>
             <a:endParaRPr lang="zh-TW" altLang="en-US" dirty="0"/>
           </a:p>
         </p:txBody>
@@ -2155,6 +2166,46 @@
                 </a:solidFill>
               </a:rPr>
               <a:t>We can bear with dropping or missing one or two </a:t>
+            </a:r>
+            <a:endParaRPr lang="en-US" altLang="zh-TW" dirty="0" smtClean="0">
+              <a:solidFill>
+                <a:srgbClr val="8C89A5"/>
+              </a:solidFill>
+            </a:endParaRPr>
+          </a:p>
+          <a:p>
+            <a:pPr marL="0" marR="0" lvl="0" indent="0" algn="l" defTabSz="914400" rtl="0" eaLnBrk="1" fontAlgn="auto" latinLnBrk="0" hangingPunct="1">
+              <a:lnSpc>
+                <a:spcPct val="100000"/>
+              </a:lnSpc>
+              <a:spcBef>
+                <a:spcPts val="0"/>
+              </a:spcBef>
+              <a:spcAft>
+                <a:spcPts val="0"/>
+              </a:spcAft>
+              <a:buClrTx/>
+              <a:buSzTx/>
+              <a:buFontTx/>
+              <a:buNone/>
+              <a:tabLst/>
+              <a:defRPr/>
+            </a:pPr>
+            <a:r>
+              <a:rPr lang="en-US" altLang="zh-TW" dirty="0" smtClean="0">
+                <a:solidFill>
+                  <a:srgbClr val="8C89A5"/>
+                </a:solidFill>
+              </a:rPr>
+              <a:t>Guarantees that the</a:t>
+            </a:r>
+            <a:r>
+              <a:rPr lang="en-US" altLang="zh-TW" baseline="0" dirty="0" smtClean="0">
+                <a:solidFill>
+                  <a:srgbClr val="8C89A5"/>
+                </a:solidFill>
+              </a:rPr>
+              <a:t> system to be constantly running</a:t>
             </a:r>
             <a:endParaRPr lang="zh-TW" altLang="en-US" dirty="0" smtClean="0">
               <a:solidFill>
@@ -3135,7 +3186,7 @@
             <a:fld id="{5923F103-BC34-4FE4-A40E-EDDEECFDA5D0}" type="datetimeFigureOut">
               <a:rPr lang="en-US" dirty="0"/>
               <a:pPr/>
-              <a:t>11/29/2016</a:t>
+              <a:t>12/1/2016</a:t>
             </a:fld>
             <a:endParaRPr lang="en-US" dirty="0"/>
           </a:p>
@@ -4223,7 +4274,7 @@
           <a:p>
             <a:fld id="{923A1CC3-2375-41D4-9E03-427CAF2A4C1A}" type="datetimeFigureOut">
               <a:rPr lang="en-US" dirty="0"/>
-              <a:t>11/29/2016</a:t>
+              <a:t>12/1/2016</a:t>
             </a:fld>
             <a:endParaRPr lang="en-US" dirty="0"/>
           </a:p>
@@ -5203,7 +5254,7 @@
           <a:p>
             <a:fld id="{AFF16868-8199-4C2C-A5B1-63AEE139F88E}" type="datetimeFigureOut">
               <a:rPr lang="en-US" dirty="0"/>
-              <a:t>11/29/2016</a:t>
+              <a:t>12/1/2016</a:t>
             </a:fld>
             <a:endParaRPr lang="en-US" dirty="0"/>
           </a:p>
@@ -6337,7 +6388,7 @@
           <a:p>
             <a:fld id="{AAD9FF7F-6988-44CC-821B-644E70CD2F73}" type="datetimeFigureOut">
               <a:rPr lang="en-US" dirty="0"/>
-              <a:t>11/29/2016</a:t>
+              <a:t>12/1/2016</a:t>
             </a:fld>
             <a:endParaRPr lang="en-US" dirty="0"/>
           </a:p>
@@ -7370,7 +7421,7 @@
           <a:p>
             <a:fld id="{5C12C299-16B2-4475-990D-751901EACC14}" type="datetimeFigureOut">
               <a:rPr lang="en-US" dirty="0"/>
-              <a:t>11/29/2016</a:t>
+              <a:t>12/1/2016</a:t>
             </a:fld>
             <a:endParaRPr lang="en-US" dirty="0"/>
           </a:p>
@@ -8030,7 +8081,7 @@
           <a:p>
             <a:fld id="{9FE86839-B9D8-4651-8783-F325ECE74E65}" type="datetimeFigureOut">
               <a:rPr lang="en-US" dirty="0"/>
-              <a:t>11/29/2016</a:t>
+              <a:t>12/1/2016</a:t>
             </a:fld>
             <a:endParaRPr lang="en-US" dirty="0"/>
           </a:p>
@@ -8891,7 +8942,7 @@
           <a:p>
             <a:fld id="{FD484F64-32F6-45C5-931F-ADC1662401D0}" type="datetimeFigureOut">
               <a:rPr lang="en-US" dirty="0"/>
-              <a:t>11/29/2016</a:t>
+              <a:t>12/1/2016</a:t>
             </a:fld>
             <a:endParaRPr lang="en-US" dirty="0"/>
           </a:p>
@@ -9081,7 +9132,7 @@
           <a:p>
             <a:fld id="{53086D93-FCAC-47E0-A2EE-787E62CA814C}" type="datetimeFigureOut">
               <a:rPr lang="en-US" dirty="0"/>
-              <a:t>11/29/2016</a:t>
+              <a:t>12/1/2016</a:t>
             </a:fld>
             <a:endParaRPr lang="en-US" dirty="0"/>
           </a:p>
@@ -10053,7 +10104,7 @@
           <a:p>
             <a:fld id="{CDA879A6-0FD0-4734-A311-86BFCA472E6E}" type="datetimeFigureOut">
               <a:rPr lang="en-US" dirty="0"/>
-              <a:t>11/29/2016</a:t>
+              <a:t>12/1/2016</a:t>
             </a:fld>
             <a:endParaRPr lang="en-US" dirty="0"/>
           </a:p>
@@ -10264,7 +10315,7 @@
           <a:p>
             <a:fld id="{19C9CA7B-DFD4-44B5-8C60-D14B8CD1FB59}" type="datetimeFigureOut">
               <a:rPr lang="en-US" dirty="0"/>
-              <a:t>11/29/2016</a:t>
+              <a:t>12/1/2016</a:t>
             </a:fld>
             <a:endParaRPr lang="en-US" dirty="0"/>
           </a:p>
@@ -11298,7 +11349,7 @@
           <a:p>
             <a:fld id="{F34E6425-0181-43F2-84FC-787E803FD2F8}" type="datetimeFigureOut">
               <a:rPr lang="en-US" dirty="0"/>
-              <a:t>11/29/2016</a:t>
+              <a:t>12/1/2016</a:t>
             </a:fld>
             <a:endParaRPr lang="en-US" dirty="0"/>
           </a:p>
@@ -11570,7 +11621,7 @@
           <a:p>
             <a:fld id="{3BDB8791-F1B0-41E7-B7FD-A781E65C4266}" type="datetimeFigureOut">
               <a:rPr lang="en-US" dirty="0"/>
-              <a:t>11/29/2016</a:t>
+              <a:t>12/1/2016</a:t>
             </a:fld>
             <a:endParaRPr lang="en-US" dirty="0"/>
           </a:p>
@@ -11980,7 +12031,7 @@
           <a:p>
             <a:fld id="{5FDD63B2-E120-4ED8-B27B-C685F510A5FE}" type="datetimeFigureOut">
               <a:rPr lang="en-US" dirty="0"/>
-              <a:t>11/29/2016</a:t>
+              <a:t>12/1/2016</a:t>
             </a:fld>
             <a:endParaRPr lang="en-US" dirty="0"/>
           </a:p>
@@ -12107,7 +12158,7 @@
           <a:p>
             <a:fld id="{7AA18ACC-A947-437B-A130-35BD54FDF1E9}" type="datetimeFigureOut">
               <a:rPr lang="en-US" dirty="0"/>
-              <a:t>11/29/2016</a:t>
+              <a:t>12/1/2016</a:t>
             </a:fld>
             <a:endParaRPr lang="en-US" dirty="0"/>
           </a:p>
@@ -12202,7 +12253,7 @@
           <a:p>
             <a:fld id="{7C8D7E02-BCB8-4D50-A234-369438C08659}" type="datetimeFigureOut">
               <a:rPr lang="en-US" dirty="0"/>
-              <a:t>11/29/2016</a:t>
+              <a:t>12/1/2016</a:t>
             </a:fld>
             <a:endParaRPr lang="en-US" dirty="0"/>
           </a:p>
@@ -13283,7 +13334,7 @@
           <a:p>
             <a:fld id="{76E86A4C-8E40-4F87-A4F0-01A0687C5742}" type="datetimeFigureOut">
               <a:rPr lang="en-US" dirty="0"/>
-              <a:t>11/29/2016</a:t>
+              <a:t>12/1/2016</a:t>
             </a:fld>
             <a:endParaRPr lang="en-US" dirty="0"/>
           </a:p>
@@ -14391,7 +14442,7 @@
           <a:p>
             <a:fld id="{35E72C73-2D91-4E12-BA25-F0AA0C03599B}" type="datetimeFigureOut">
               <a:rPr lang="en-US" dirty="0"/>
-              <a:t>11/29/2016</a:t>
+              <a:t>12/1/2016</a:t>
             </a:fld>
             <a:endParaRPr lang="en-US" dirty="0"/>
           </a:p>
@@ -15388,7 +15439,7 @@
           <a:p>
             <a:fld id="{2BE451C3-0FF4-47C4-B829-773ADF60F88C}" type="datetimeFigureOut">
               <a:rPr lang="en-US" dirty="0"/>
-              <a:t>11/29/2016</a:t>
+              <a:t>12/1/2016</a:t>
             </a:fld>
             <a:endParaRPr lang="en-US" dirty="0"/>
           </a:p>
@@ -20438,11 +20489,6 @@
               </a:rPr>
               <a:t>);</a:t>
             </a:r>
-            <a:endParaRPr lang="en-US" altLang="zh-TW" sz="1600" dirty="0" smtClean="0">
-              <a:solidFill>
-                <a:schemeClr val="bg1"/>
-              </a:solidFill>
-            </a:endParaRPr>
           </a:p>
         </p:txBody>
       </p:sp>
@@ -20685,7 +20731,7 @@
               <a:t>[0];    // </a:t>
             </a:r>
             <a:r>
-              <a:rPr lang="en-US" altLang="zh-TW" sz="1600" dirty="0">
+              <a:rPr lang="en-US" altLang="zh-TW" sz="1600" dirty="0" smtClean="0">
                 <a:solidFill>
                   <a:schemeClr val="bg2">
                     <a:lumMod val="40000"/>
@@ -20693,7 +20739,18 @@
                   </a:schemeClr>
                 </a:solidFill>
               </a:rPr>
-              <a:t>Save the items in the </a:t>
+              <a:t>Get access to </a:t>
+            </a:r>
+            <a:r>
+              <a:rPr lang="en-US" altLang="zh-TW" sz="1600" dirty="0">
+                <a:solidFill>
+                  <a:schemeClr val="bg2">
+                    <a:lumMod val="40000"/>
+                    <a:lumOff val="60000"/>
+                  </a:schemeClr>
+                </a:solidFill>
+              </a:rPr>
+              <a:t>the items in the </a:t>
             </a:r>
             <a:r>
               <a:rPr lang="en-US" altLang="zh-TW" sz="1600" dirty="0" err="1">
@@ -21082,7 +21139,7 @@
         </p:nvSpPr>
         <p:spPr>
           <a:xfrm>
-            <a:off x="5236065" y="2305178"/>
+            <a:off x="4971905" y="2311093"/>
             <a:ext cx="3214052" cy="738664"/>
           </a:xfrm>
           <a:prstGeom prst="rect">
@@ -21198,7 +21255,7 @@
         </p:nvCxnSpPr>
         <p:spPr>
           <a:xfrm>
-            <a:off x="6843091" y="3043842"/>
+            <a:off x="6578931" y="3049757"/>
             <a:ext cx="0" cy="844764"/>
           </a:xfrm>
           <a:prstGeom prst="straightConnector1">
@@ -21231,7 +21288,7 @@
         </p:nvCxnSpPr>
         <p:spPr>
           <a:xfrm>
-            <a:off x="6583680" y="4071486"/>
+            <a:off x="6352203" y="4071486"/>
             <a:ext cx="490888" cy="0"/>
           </a:xfrm>
           <a:prstGeom prst="line">
@@ -22699,8 +22756,25 @@
                   </a:schemeClr>
                 </a:solidFill>
               </a:rPr>
-              <a:t>Wrap your command into message form:</a:t>
-            </a:r>
+              <a:t>Wrap your command into message </a:t>
+            </a:r>
+            <a:r>
+              <a:rPr lang="en-US" altLang="zh-TW" sz="1400" dirty="0" smtClean="0">
+                <a:solidFill>
+                  <a:schemeClr val="tx1">
+                    <a:lumMod val="75000"/>
+                  </a:schemeClr>
+                </a:solidFill>
+              </a:rPr>
+              <a:t>format:</a:t>
+            </a:r>
+            <a:endParaRPr lang="en-US" altLang="zh-TW" sz="1400" dirty="0" smtClean="0">
+              <a:solidFill>
+                <a:schemeClr val="tx1">
+                  <a:lumMod val="75000"/>
+                </a:schemeClr>
+              </a:solidFill>
+            </a:endParaRPr>
           </a:p>
           <a:p>
             <a:r>
@@ -25587,15 +25661,21 @@
           <p:nvPr/>
         </p:nvPicPr>
         <p:blipFill>
-          <a:blip r:embed="rId5"/>
+          <a:blip r:embed="rId5">
+            <a:extLst>
+              <a:ext uri="{28A0092B-C50C-407E-A947-70E740481C1C}">
+                <a14:useLocalDpi xmlns:a14="http://schemas.microsoft.com/office/drawing/2010/main" val="0"/>
+              </a:ext>
+            </a:extLst>
+          </a:blip>
           <a:stretch>
             <a:fillRect/>
           </a:stretch>
         </p:blipFill>
         <p:spPr>
           <a:xfrm>
-            <a:off x="720220" y="2633916"/>
-            <a:ext cx="10372725" cy="3143250"/>
+            <a:off x="720221" y="2633916"/>
+            <a:ext cx="10372722" cy="3143250"/>
           </a:xfrm>
           <a:prstGeom prst="rect">
             <a:avLst/>
@@ -25610,7 +25690,7 @@
         </p:nvSpPr>
         <p:spPr>
           <a:xfrm>
-            <a:off x="4634837" y="2855486"/>
+            <a:off x="1861157" y="2904262"/>
             <a:ext cx="447889" cy="261610"/>
           </a:xfrm>
           <a:prstGeom prst="rect">
@@ -25649,7 +25729,7 @@
         </p:nvSpPr>
         <p:spPr>
           <a:xfrm>
-            <a:off x="3925836" y="4886896"/>
+            <a:off x="9468478" y="2986291"/>
             <a:ext cx="447889" cy="261610"/>
           </a:xfrm>
           <a:prstGeom prst="rect">
@@ -27558,29 +27638,7 @@
                   </a:schemeClr>
                 </a:solidFill>
               </a:rPr>
-              <a:t>	</a:t>
-            </a:r>
-            <a:r>
-              <a:rPr lang="en-US" altLang="zh-TW" sz="1600" dirty="0">
-                <a:solidFill>
-                  <a:schemeClr val="bg2">
-                    <a:lumMod val="40000"/>
-                    <a:lumOff val="60000"/>
-                  </a:schemeClr>
-                </a:solidFill>
-              </a:rPr>
-              <a:t>	</a:t>
-            </a:r>
-            <a:r>
-              <a:rPr lang="en-US" altLang="zh-TW" sz="1600" dirty="0">
-                <a:solidFill>
-                  <a:schemeClr val="bg2">
-                    <a:lumMod val="40000"/>
-                    <a:lumOff val="60000"/>
-                  </a:schemeClr>
-                </a:solidFill>
-              </a:rPr>
-              <a:t>ROS_MASTER_URL = </a:t>
+              <a:t>		ROS_MASTER_URL = </a:t>
             </a:r>
             <a:r>
               <a:rPr lang="en-US" altLang="zh-TW" sz="1600" dirty="0" err="1">
@@ -28378,8 +28436,87 @@
                   </a:schemeClr>
                 </a:solidFill>
               </a:rPr>
-              <a:t>Agree on a paragraph structure – message.</a:t>
-            </a:r>
+              <a:t>Agree on a paragraph structure – </a:t>
+            </a:r>
+            <a:r>
+              <a:rPr lang="en-US" altLang="zh-TW" dirty="0" smtClean="0">
+                <a:solidFill>
+                  <a:schemeClr val="bg2">
+                    <a:lumMod val="40000"/>
+                    <a:lumOff val="60000"/>
+                  </a:schemeClr>
+                </a:solidFill>
+              </a:rPr>
+              <a:t>message,</a:t>
+            </a:r>
+          </a:p>
+          <a:p>
+            <a:pPr marL="0" indent="0">
+              <a:buNone/>
+            </a:pPr>
+            <a:r>
+              <a:rPr lang="en-US" altLang="zh-TW" dirty="0">
+                <a:solidFill>
+                  <a:schemeClr val="bg2">
+                    <a:lumMod val="40000"/>
+                    <a:lumOff val="60000"/>
+                  </a:schemeClr>
+                </a:solidFill>
+              </a:rPr>
+              <a:t> </a:t>
+            </a:r>
+            <a:r>
+              <a:rPr lang="en-US" altLang="zh-TW" dirty="0" smtClean="0">
+                <a:solidFill>
+                  <a:schemeClr val="bg2">
+                    <a:lumMod val="40000"/>
+                    <a:lumOff val="60000"/>
+                  </a:schemeClr>
+                </a:solidFill>
+              </a:rPr>
+              <a:t>     which is saved in the “.</a:t>
+            </a:r>
+            <a:r>
+              <a:rPr lang="en-US" altLang="zh-TW" dirty="0" err="1" smtClean="0">
+                <a:solidFill>
+                  <a:schemeClr val="bg2">
+                    <a:lumMod val="40000"/>
+                    <a:lumOff val="60000"/>
+                  </a:schemeClr>
+                </a:solidFill>
+              </a:rPr>
+              <a:t>msg</a:t>
+            </a:r>
+            <a:r>
+              <a:rPr lang="en-US" altLang="zh-TW" dirty="0" smtClean="0">
+                <a:solidFill>
+                  <a:schemeClr val="bg2">
+                    <a:lumMod val="40000"/>
+                    <a:lumOff val="60000"/>
+                  </a:schemeClr>
+                </a:solidFill>
+              </a:rPr>
+              <a:t>” file</a:t>
+            </a:r>
+            <a:r>
+              <a:rPr lang="en-US" altLang="zh-TW" dirty="0" smtClean="0">
+                <a:solidFill>
+                  <a:schemeClr val="bg2">
+                    <a:lumMod val="40000"/>
+                    <a:lumOff val="60000"/>
+                  </a:schemeClr>
+                </a:solidFill>
+              </a:rPr>
+              <a:t>.</a:t>
+            </a:r>
+            <a:endParaRPr lang="en-US" altLang="zh-TW" dirty="0" smtClean="0">
+              <a:solidFill>
+                <a:schemeClr val="bg2">
+                  <a:lumMod val="40000"/>
+                  <a:lumOff val="60000"/>
+                </a:schemeClr>
+              </a:solidFill>
+            </a:endParaRPr>
           </a:p>
           <a:p>
             <a:r>
@@ -29113,30 +29250,70 @@
                             </p:childTnLst>
                           </p:cTn>
                         </p:par>
-                      </p:childTnLst>
-                    </p:cTn>
-                  </p:par>
-                  <p:par>
-                    <p:cTn id="13" fill="hold">
-                      <p:stCondLst>
-                        <p:cond delay="indefinite"/>
-                      </p:stCondLst>
-                      <p:childTnLst>
                         <p:par>
-                          <p:cTn id="14" fill="hold">
+                          <p:cTn id="13" fill="hold">
                             <p:stCondLst>
                               <p:cond delay="0"/>
                             </p:stCondLst>
                             <p:childTnLst>
                               <p:par>
-                                <p:cTn id="15" presetID="1" presetClass="entr" presetSubtype="0" fill="hold" nodeType="clickEffect">
+                                <p:cTn id="14" presetID="1" presetClass="entr" presetSubtype="0" fill="hold" nodeType="afterEffect">
                                   <p:stCondLst>
                                     <p:cond delay="0"/>
                                   </p:stCondLst>
                                   <p:childTnLst>
                                     <p:set>
                                       <p:cBhvr>
-                                        <p:cTn id="16" dur="1" fill="hold">
+                                        <p:cTn id="15" dur="1" fill="hold">
+                                          <p:stCondLst>
+                                            <p:cond delay="0"/>
+                                          </p:stCondLst>
+                                        </p:cTn>
+                                        <p:tgtEl>
+                                          <p:spTgt spid="3">
+                                            <p:txEl>
+                                              <p:pRg st="5" end="5"/>
+                                            </p:txEl>
+                                          </p:spTgt>
+                                        </p:tgtEl>
+                                        <p:attrNameLst>
+                                          <p:attrName>style.visibility</p:attrName>
+                                        </p:attrNameLst>
+                                      </p:cBhvr>
+                                      <p:to>
+                                        <p:strVal val="visible"/>
+                                      </p:to>
+                                    </p:set>
+                                  </p:childTnLst>
+                                </p:cTn>
+                              </p:par>
+                            </p:childTnLst>
+                          </p:cTn>
+                        </p:par>
+                      </p:childTnLst>
+                    </p:cTn>
+                  </p:par>
+                  <p:par>
+                    <p:cTn id="16" fill="hold">
+                      <p:stCondLst>
+                        <p:cond delay="indefinite"/>
+                      </p:stCondLst>
+                      <p:childTnLst>
+                        <p:par>
+                          <p:cTn id="17" fill="hold">
+                            <p:stCondLst>
+                              <p:cond delay="0"/>
+                            </p:stCondLst>
+                            <p:childTnLst>
+                              <p:par>
+                                <p:cTn id="18" presetID="1" presetClass="entr" presetSubtype="0" fill="hold" nodeType="clickEffect">
+                                  <p:stCondLst>
+                                    <p:cond delay="0"/>
+                                  </p:stCondLst>
+                                  <p:childTnLst>
+                                    <p:set>
+                                      <p:cBhvr>
+                                        <p:cTn id="19" dur="1" fill="hold">
                                           <p:stCondLst>
                                             <p:cond delay="0"/>
                                           </p:stCondLst>
@@ -29160,14 +29337,14 @@
                                 </p:cTn>
                               </p:par>
                               <p:par>
-                                <p:cTn id="17" presetID="1" presetClass="entr" presetSubtype="0" fill="hold" nodeType="withEffect">
+                                <p:cTn id="20" presetID="1" presetClass="entr" presetSubtype="0" fill="hold" nodeType="withEffect">
                                   <p:stCondLst>
                                     <p:cond delay="0"/>
                                   </p:stCondLst>
                                   <p:childTnLst>
                                     <p:set>
                                       <p:cBhvr>
-                                        <p:cTn id="18" dur="1" fill="hold">
+                                        <p:cTn id="21" dur="1" fill="hold">
                                           <p:stCondLst>
                                             <p:cond delay="0"/>
                                           </p:stCondLst>
@@ -29197,26 +29374,26 @@
                     </p:cTn>
                   </p:par>
                   <p:par>
-                    <p:cTn id="19" fill="hold">
+                    <p:cTn id="22" fill="hold">
                       <p:stCondLst>
                         <p:cond delay="indefinite"/>
                       </p:stCondLst>
                       <p:childTnLst>
                         <p:par>
-                          <p:cTn id="20" fill="hold">
+                          <p:cTn id="23" fill="hold">
                             <p:stCondLst>
                               <p:cond delay="0"/>
                             </p:stCondLst>
                             <p:childTnLst>
                               <p:par>
-                                <p:cTn id="21" presetID="1" presetClass="entr" presetSubtype="0" fill="hold" nodeType="clickEffect">
+                                <p:cTn id="24" presetID="1" presetClass="entr" presetSubtype="0" fill="hold" nodeType="clickEffect">
                                   <p:stCondLst>
                                     <p:cond delay="0"/>
                                   </p:stCondLst>
                                   <p:childTnLst>
                                     <p:set>
                                       <p:cBhvr>
-                                        <p:cTn id="22" dur="1" fill="hold">
+                                        <p:cTn id="25" dur="1" fill="hold">
                                           <p:stCondLst>
                                             <p:cond delay="0"/>
                                           </p:stCondLst>
@@ -29240,14 +29417,14 @@
                                 </p:cTn>
                               </p:par>
                               <p:par>
-                                <p:cTn id="23" presetID="1" presetClass="entr" presetSubtype="0" fill="hold" nodeType="withEffect">
+                                <p:cTn id="26" presetID="1" presetClass="entr" presetSubtype="0" fill="hold" nodeType="withEffect">
                                   <p:stCondLst>
                                     <p:cond delay="0"/>
                                   </p:stCondLst>
                                   <p:childTnLst>
                                     <p:set>
                                       <p:cBhvr>
-                                        <p:cTn id="24" dur="1" fill="hold">
+                                        <p:cTn id="27" dur="1" fill="hold">
                                           <p:stCondLst>
                                             <p:cond delay="0"/>
                                           </p:stCondLst>
@@ -29277,26 +29454,26 @@
                     </p:cTn>
                   </p:par>
                   <p:par>
-                    <p:cTn id="25" fill="hold">
+                    <p:cTn id="28" fill="hold">
                       <p:stCondLst>
                         <p:cond delay="indefinite"/>
                       </p:stCondLst>
                       <p:childTnLst>
                         <p:par>
-                          <p:cTn id="26" fill="hold">
+                          <p:cTn id="29" fill="hold">
                             <p:stCondLst>
                               <p:cond delay="0"/>
                             </p:stCondLst>
                             <p:childTnLst>
                               <p:par>
-                                <p:cTn id="27" presetID="1" presetClass="entr" presetSubtype="0" fill="hold" nodeType="clickEffect">
+                                <p:cTn id="30" presetID="1" presetClass="entr" presetSubtype="0" fill="hold" nodeType="clickEffect">
                                   <p:stCondLst>
                                     <p:cond delay="0"/>
                                   </p:stCondLst>
                                   <p:childTnLst>
                                     <p:set>
                                       <p:cBhvr>
-                                        <p:cTn id="28" dur="1" fill="hold">
+                                        <p:cTn id="31" dur="1" fill="hold">
                                           <p:stCondLst>
                                             <p:cond delay="0"/>
                                           </p:stCondLst>
@@ -29320,14 +29497,14 @@
                                 </p:cTn>
                               </p:par>
                               <p:par>
-                                <p:cTn id="29" presetID="1" presetClass="entr" presetSubtype="0" fill="hold" nodeType="withEffect">
+                                <p:cTn id="32" presetID="1" presetClass="entr" presetSubtype="0" fill="hold" nodeType="withEffect">
                                   <p:stCondLst>
                                     <p:cond delay="0"/>
                                   </p:stCondLst>
                                   <p:childTnLst>
                                     <p:set>
                                       <p:cBhvr>
-                                        <p:cTn id="30" dur="1" fill="hold">
+                                        <p:cTn id="33" dur="1" fill="hold">
                                           <p:stCondLst>
                                             <p:cond delay="0"/>
                                           </p:stCondLst>
@@ -29354,20 +29531,20 @@
                           </p:cTn>
                         </p:par>
                         <p:par>
-                          <p:cTn id="31" fill="hold">
+                          <p:cTn id="34" fill="hold">
                             <p:stCondLst>
                               <p:cond delay="0"/>
                             </p:stCondLst>
                             <p:childTnLst>
                               <p:par>
-                                <p:cTn id="32" presetID="1" presetClass="entr" presetSubtype="0" fill="hold" nodeType="afterEffect">
+                                <p:cTn id="35" presetID="1" presetClass="entr" presetSubtype="0" fill="hold" nodeType="afterEffect">
                                   <p:stCondLst>
                                     <p:cond delay="0"/>
                                   </p:stCondLst>
                                   <p:childTnLst>
                                     <p:set>
                                       <p:cBhvr>
-                                        <p:cTn id="33" dur="1" fill="hold">
+                                        <p:cTn id="36" dur="1" fill="hold">
                                           <p:stCondLst>
                                             <p:cond delay="0"/>
                                           </p:stCondLst>
@@ -29375,7 +29552,7 @@
                                         <p:tgtEl>
                                           <p:spTgt spid="3">
                                             <p:txEl>
-                                              <p:pRg st="5" end="5"/>
+                                              <p:pRg st="6" end="6"/>
                                             </p:txEl>
                                           </p:spTgt>
                                         </p:tgtEl>
@@ -29672,10 +29849,10 @@
                   </a:schemeClr>
                 </a:solidFill>
               </a:rPr>
-              <a:t>most recent commend</a:t>
-            </a:r>
-            <a:r>
-              <a:rPr lang="en-US" altLang="zh-TW" dirty="0" smtClean="0">
+              <a:t>most recent </a:t>
+            </a:r>
+            <a:r>
+              <a:rPr lang="en-US" altLang="zh-TW" b="1" dirty="0" smtClean="0">
                 <a:solidFill>
                   <a:schemeClr val="bg2">
                     <a:lumMod val="40000"/>
@@ -29683,8 +29860,27 @@
                   </a:schemeClr>
                 </a:solidFill>
               </a:rPr>
-              <a:t>.</a:t>
-            </a:r>
+              <a:t>information</a:t>
+            </a:r>
+            <a:r>
+              <a:rPr lang="en-US" altLang="zh-TW" dirty="0" smtClean="0">
+                <a:solidFill>
+                  <a:schemeClr val="bg2">
+                    <a:lumMod val="40000"/>
+                    <a:lumOff val="60000"/>
+                  </a:schemeClr>
+                </a:solidFill>
+              </a:rPr>
+              <a:t>. (command)</a:t>
+            </a:r>
+            <a:endParaRPr lang="en-US" altLang="zh-TW" dirty="0" smtClean="0">
+              <a:solidFill>
+                <a:schemeClr val="bg2">
+                  <a:lumMod val="40000"/>
+                  <a:lumOff val="60000"/>
+                </a:schemeClr>
+              </a:solidFill>
+            </a:endParaRPr>
           </a:p>
         </p:txBody>
       </p:sp>
@@ -30141,10 +30337,10 @@
                   </a:schemeClr>
                 </a:solidFill>
               </a:rPr>
-              <a:t>most recent commend</a:t>
-            </a:r>
-            <a:r>
-              <a:rPr lang="en-US" altLang="zh-TW" dirty="0" smtClean="0">
+              <a:t>most recent </a:t>
+            </a:r>
+            <a:r>
+              <a:rPr lang="en-US" altLang="zh-TW" b="1" dirty="0" smtClean="0">
                 <a:solidFill>
                   <a:schemeClr val="bg2">
                     <a:lumMod val="40000"/>
@@ -30152,8 +30348,27 @@
                   </a:schemeClr>
                 </a:solidFill>
               </a:rPr>
-              <a:t>.</a:t>
-            </a:r>
+              <a:t>information</a:t>
+            </a:r>
+            <a:r>
+              <a:rPr lang="en-US" altLang="zh-TW" dirty="0" smtClean="0">
+                <a:solidFill>
+                  <a:schemeClr val="bg2">
+                    <a:lumMod val="40000"/>
+                    <a:lumOff val="60000"/>
+                  </a:schemeClr>
+                </a:solidFill>
+              </a:rPr>
+              <a:t>. (command)</a:t>
+            </a:r>
+            <a:endParaRPr lang="en-US" altLang="zh-TW" dirty="0" smtClean="0">
+              <a:solidFill>
+                <a:schemeClr val="bg2">
+                  <a:lumMod val="40000"/>
+                  <a:lumOff val="60000"/>
+                </a:schemeClr>
+              </a:solidFill>
+            </a:endParaRPr>
           </a:p>
         </p:txBody>
       </p:sp>
@@ -31301,7 +31516,29 @@
                   </a:schemeClr>
                 </a:solidFill>
               </a:rPr>
-              <a:t> comments of the robot tip position and orientation.</a:t>
+              <a:t> </a:t>
+            </a:r>
+            <a:r>
+              <a:rPr lang="en-US" altLang="zh-TW" sz="1600" dirty="0" smtClean="0">
+                <a:solidFill>
+                  <a:schemeClr val="bg2">
+                    <a:lumMod val="40000"/>
+                    <a:lumOff val="60000"/>
+                  </a:schemeClr>
+                </a:solidFill>
+              </a:rPr>
+              <a:t>commands </a:t>
+            </a:r>
+            <a:r>
+              <a:rPr lang="en-US" altLang="zh-TW" sz="1600" dirty="0" smtClean="0">
+                <a:solidFill>
+                  <a:schemeClr val="bg2">
+                    <a:lumMod val="40000"/>
+                    <a:lumOff val="60000"/>
+                  </a:schemeClr>
+                </a:solidFill>
+              </a:rPr>
+              <a:t>of the robot tip position and orientation.</a:t>
             </a:r>
           </a:p>
         </p:txBody>
